--- a/AI 기말 프로젝트.pptx
+++ b/AI 기말 프로젝트.pptx
@@ -8,7 +8,6 @@
     <p:sldId id="256" r:id="rId2"/>
     <p:sldId id="258" r:id="rId3"/>
     <p:sldId id="259" r:id="rId4"/>
-    <p:sldId id="260" r:id="rId5"/>
   </p:sldIdLst>
   <p:sldSz cx="12192000" cy="6858000"/>
   <p:notesSz cx="6858000" cy="9144000"/>
@@ -306,7 +305,7 @@
           <a:p>
             <a:fld id="{829BE86F-68B2-4CEC-9BA5-E42C71880954}" type="datetimeFigureOut">
               <a:rPr lang="ko-KR" altLang="en-US" smtClean="0"/>
-              <a:t>2022-10-28</a:t>
+              <a:t>2022-11-01</a:t>
             </a:fld>
             <a:endParaRPr lang="ko-KR" altLang="en-US"/>
           </a:p>
@@ -742,7 +741,7 @@
           <a:p>
             <a:fld id="{829BE86F-68B2-4CEC-9BA5-E42C71880954}" type="datetimeFigureOut">
               <a:rPr lang="ko-KR" altLang="en-US" smtClean="0"/>
-              <a:t>2022-10-28</a:t>
+              <a:t>2022-11-01</a:t>
             </a:fld>
             <a:endParaRPr lang="ko-KR" altLang="en-US"/>
           </a:p>
@@ -992,7 +991,7 @@
           <a:p>
             <a:fld id="{829BE86F-68B2-4CEC-9BA5-E42C71880954}" type="datetimeFigureOut">
               <a:rPr lang="ko-KR" altLang="en-US" smtClean="0"/>
-              <a:t>2022-10-28</a:t>
+              <a:t>2022-11-01</a:t>
             </a:fld>
             <a:endParaRPr lang="ko-KR" altLang="en-US"/>
           </a:p>
@@ -1300,7 +1299,7 @@
           <a:p>
             <a:fld id="{829BE86F-68B2-4CEC-9BA5-E42C71880954}" type="datetimeFigureOut">
               <a:rPr lang="ko-KR" altLang="en-US" smtClean="0"/>
-              <a:t>2022-10-28</a:t>
+              <a:t>2022-11-01</a:t>
             </a:fld>
             <a:endParaRPr lang="ko-KR" altLang="en-US"/>
           </a:p>
@@ -1618,7 +1617,7 @@
           <a:p>
             <a:fld id="{829BE86F-68B2-4CEC-9BA5-E42C71880954}" type="datetimeFigureOut">
               <a:rPr lang="ko-KR" altLang="en-US" smtClean="0"/>
-              <a:t>2022-10-28</a:t>
+              <a:t>2022-11-01</a:t>
             </a:fld>
             <a:endParaRPr lang="ko-KR" altLang="en-US"/>
           </a:p>
@@ -1920,7 +1919,7 @@
           <a:p>
             <a:fld id="{829BE86F-68B2-4CEC-9BA5-E42C71880954}" type="datetimeFigureOut">
               <a:rPr lang="ko-KR" altLang="en-US" smtClean="0"/>
-              <a:t>2022-10-28</a:t>
+              <a:t>2022-11-01</a:t>
             </a:fld>
             <a:endParaRPr lang="ko-KR" altLang="en-US"/>
           </a:p>
@@ -2287,7 +2286,7 @@
           <a:p>
             <a:fld id="{829BE86F-68B2-4CEC-9BA5-E42C71880954}" type="datetimeFigureOut">
               <a:rPr lang="ko-KR" altLang="en-US" smtClean="0"/>
-              <a:t>2022-10-28</a:t>
+              <a:t>2022-11-01</a:t>
             </a:fld>
             <a:endParaRPr lang="ko-KR" altLang="en-US"/>
           </a:p>
@@ -2461,7 +2460,7 @@
           <a:p>
             <a:fld id="{829BE86F-68B2-4CEC-9BA5-E42C71880954}" type="datetimeFigureOut">
               <a:rPr lang="ko-KR" altLang="en-US" smtClean="0"/>
-              <a:t>2022-10-28</a:t>
+              <a:t>2022-11-01</a:t>
             </a:fld>
             <a:endParaRPr lang="ko-KR" altLang="en-US"/>
           </a:p>
@@ -2641,7 +2640,7 @@
           <a:p>
             <a:fld id="{829BE86F-68B2-4CEC-9BA5-E42C71880954}" type="datetimeFigureOut">
               <a:rPr lang="ko-KR" altLang="en-US" smtClean="0"/>
-              <a:t>2022-10-28</a:t>
+              <a:t>2022-11-01</a:t>
             </a:fld>
             <a:endParaRPr lang="ko-KR" altLang="en-US"/>
           </a:p>
@@ -2811,7 +2810,7 @@
           <a:p>
             <a:fld id="{829BE86F-68B2-4CEC-9BA5-E42C71880954}" type="datetimeFigureOut">
               <a:rPr lang="ko-KR" altLang="en-US" smtClean="0"/>
-              <a:t>2022-10-28</a:t>
+              <a:t>2022-11-01</a:t>
             </a:fld>
             <a:endParaRPr lang="ko-KR" altLang="en-US"/>
           </a:p>
@@ -3061,7 +3060,7 @@
           <a:p>
             <a:fld id="{829BE86F-68B2-4CEC-9BA5-E42C71880954}" type="datetimeFigureOut">
               <a:rPr lang="ko-KR" altLang="en-US" smtClean="0"/>
-              <a:t>2022-10-28</a:t>
+              <a:t>2022-11-01</a:t>
             </a:fld>
             <a:endParaRPr lang="ko-KR" altLang="en-US"/>
           </a:p>
@@ -3297,7 +3296,7 @@
           <a:p>
             <a:fld id="{829BE86F-68B2-4CEC-9BA5-E42C71880954}" type="datetimeFigureOut">
               <a:rPr lang="ko-KR" altLang="en-US" smtClean="0"/>
-              <a:t>2022-10-28</a:t>
+              <a:t>2022-11-01</a:t>
             </a:fld>
             <a:endParaRPr lang="ko-KR" altLang="en-US"/>
           </a:p>
@@ -3679,7 +3678,7 @@
           <a:p>
             <a:fld id="{829BE86F-68B2-4CEC-9BA5-E42C71880954}" type="datetimeFigureOut">
               <a:rPr lang="ko-KR" altLang="en-US" smtClean="0"/>
-              <a:t>2022-10-28</a:t>
+              <a:t>2022-11-01</a:t>
             </a:fld>
             <a:endParaRPr lang="ko-KR" altLang="en-US"/>
           </a:p>
@@ -3797,7 +3796,7 @@
           <a:p>
             <a:fld id="{829BE86F-68B2-4CEC-9BA5-E42C71880954}" type="datetimeFigureOut">
               <a:rPr lang="ko-KR" altLang="en-US" smtClean="0"/>
-              <a:t>2022-10-28</a:t>
+              <a:t>2022-11-01</a:t>
             </a:fld>
             <a:endParaRPr lang="ko-KR" altLang="en-US"/>
           </a:p>
@@ -3892,7 +3891,7 @@
           <a:p>
             <a:fld id="{829BE86F-68B2-4CEC-9BA5-E42C71880954}" type="datetimeFigureOut">
               <a:rPr lang="ko-KR" altLang="en-US" smtClean="0"/>
-              <a:t>2022-10-28</a:t>
+              <a:t>2022-11-01</a:t>
             </a:fld>
             <a:endParaRPr lang="ko-KR" altLang="en-US"/>
           </a:p>
@@ -4147,7 +4146,7 @@
           <a:p>
             <a:fld id="{829BE86F-68B2-4CEC-9BA5-E42C71880954}" type="datetimeFigureOut">
               <a:rPr lang="ko-KR" altLang="en-US" smtClean="0"/>
-              <a:t>2022-10-28</a:t>
+              <a:t>2022-11-01</a:t>
             </a:fld>
             <a:endParaRPr lang="ko-KR" altLang="en-US"/>
           </a:p>
@@ -4430,7 +4429,7 @@
           <a:p>
             <a:fld id="{829BE86F-68B2-4CEC-9BA5-E42C71880954}" type="datetimeFigureOut">
               <a:rPr lang="ko-KR" altLang="en-US" smtClean="0"/>
-              <a:t>2022-10-28</a:t>
+              <a:t>2022-11-01</a:t>
             </a:fld>
             <a:endParaRPr lang="ko-KR" altLang="en-US"/>
           </a:p>
@@ -4836,7 +4835,7 @@
           <a:p>
             <a:fld id="{829BE86F-68B2-4CEC-9BA5-E42C71880954}" type="datetimeFigureOut">
               <a:rPr lang="ko-KR" altLang="en-US" smtClean="0"/>
-              <a:t>2022-10-28</a:t>
+              <a:t>2022-11-01</a:t>
             </a:fld>
             <a:endParaRPr lang="ko-KR" altLang="en-US"/>
           </a:p>
@@ -6591,111 +6590,6 @@
 </p:sld>
 </file>
 
-<file path=ppt/slides/slide4.xml><?xml version="1.0" encoding="utf-8"?>
-<p:sld xmlns:a="http://schemas.openxmlformats.org/drawingml/2006/main" xmlns:r="http://schemas.openxmlformats.org/officeDocument/2006/relationships" xmlns:p="http://schemas.openxmlformats.org/presentationml/2006/main">
-  <p:cSld>
-    <p:spTree>
-      <p:nvGrpSpPr>
-        <p:cNvPr id="1" name=""/>
-        <p:cNvGrpSpPr/>
-        <p:nvPr/>
-      </p:nvGrpSpPr>
-      <p:grpSpPr>
-        <a:xfrm>
-          <a:off x="0" y="0"/>
-          <a:ext cx="0" cy="0"/>
-          <a:chOff x="0" y="0"/>
-          <a:chExt cx="0" cy="0"/>
-        </a:xfrm>
-      </p:grpSpPr>
-      <p:sp>
-        <p:nvSpPr>
-          <p:cNvPr id="2" name="제목 1"/>
-          <p:cNvSpPr>
-            <a:spLocks noGrp="1"/>
-          </p:cNvSpPr>
-          <p:nvPr>
-            <p:ph type="title"/>
-          </p:nvPr>
-        </p:nvSpPr>
-        <p:spPr>
-          <a:xfrm>
-            <a:off x="2286000" y="1896532"/>
-            <a:ext cx="7531100" cy="2624668"/>
-          </a:xfrm>
-        </p:spPr>
-        <p:txBody>
-          <a:bodyPr>
-            <a:noAutofit/>
-          </a:bodyPr>
-          <a:lstStyle/>
-          <a:p>
-            <a:r>
-              <a:rPr lang="en-US" altLang="ko-KR" sz="8000" dirty="0" smtClean="0">
-                <a:solidFill>
-                  <a:schemeClr val="tx1">
-                    <a:lumMod val="95000"/>
-                  </a:schemeClr>
-                </a:solidFill>
-                <a:latin typeface="Goudy Stout" panose="0202090407030B020401" pitchFamily="18" charset="0"/>
-              </a:rPr>
-              <a:t>Thank       			you!</a:t>
-            </a:r>
-            <a:endParaRPr lang="ko-KR" altLang="en-US" sz="8000" dirty="0">
-              <a:solidFill>
-                <a:schemeClr val="tx1">
-                  <a:lumMod val="95000"/>
-                </a:schemeClr>
-              </a:solidFill>
-              <a:latin typeface="Goudy Stout" panose="0202090407030B020401" pitchFamily="18" charset="0"/>
-            </a:endParaRPr>
-          </a:p>
-        </p:txBody>
-      </p:sp>
-      <p:sp>
-        <p:nvSpPr>
-          <p:cNvPr id="3" name="내용 개체 틀 2"/>
-          <p:cNvSpPr>
-            <a:spLocks noGrp="1"/>
-          </p:cNvSpPr>
-          <p:nvPr>
-            <p:ph idx="1"/>
-          </p:nvPr>
-        </p:nvSpPr>
-        <p:spPr>
-          <a:xfrm>
-            <a:off x="684212" y="685801"/>
-            <a:ext cx="2122488" cy="838200"/>
-          </a:xfrm>
-        </p:spPr>
-        <p:txBody>
-          <a:bodyPr/>
-          <a:lstStyle/>
-          <a:p>
-            <a:endParaRPr lang="ko-KR" altLang="en-US" dirty="0"/>
-          </a:p>
-        </p:txBody>
-      </p:sp>
-    </p:spTree>
-    <p:extLst>
-      <p:ext uri="{BB962C8B-B14F-4D97-AF65-F5344CB8AC3E}">
-        <p14:creationId xmlns:p14="http://schemas.microsoft.com/office/powerpoint/2010/main" val="864924957"/>
-      </p:ext>
-    </p:extLst>
-  </p:cSld>
-  <p:clrMapOvr>
-    <a:masterClrMapping/>
-  </p:clrMapOvr>
-  <p:timing>
-    <p:tnLst>
-      <p:par>
-        <p:cTn id="1" dur="indefinite" restart="never" nodeType="tmRoot"/>
-      </p:par>
-    </p:tnLst>
-  </p:timing>
-</p:sld>
-</file>
-
 <file path=ppt/theme/theme1.xml><?xml version="1.0" encoding="utf-8"?>
 <a:theme xmlns:a="http://schemas.openxmlformats.org/drawingml/2006/main" name="슬라이스">
   <a:themeElements>
